--- a/Introduction.pptx
+++ b/Introduction.pptx
@@ -112,6 +112,11 @@
       </a:defRPr>
     </a:lvl9pPr>
   </p:defaultTextStyle>
+  <p:extLst>
+    <p:ext uri="{EFAFB233-063F-42B5-8137-9DF3F51BA10A}">
+      <p15:sldGuideLst xmlns:p15="http://schemas.microsoft.com/office/powerpoint/2012/main"/>
+    </p:ext>
+  </p:extLst>
 </p:presentation>
 </file>
 
@@ -305,7 +310,7 @@
           <a:p>
             <a:fld id="{AF1CD85E-D915-4A6B-9FBC-E35E5A3EB1A7}" type="datetimeFigureOut">
               <a:rPr lang="en-US" smtClean="0"/>
-              <a:t>8/23/2021</a:t>
+              <a:t>8/27/2021</a:t>
             </a:fld>
             <a:endParaRPr lang="en-US"/>
           </a:p>
@@ -513,7 +518,7 @@
           <a:p>
             <a:fld id="{AF1CD85E-D915-4A6B-9FBC-E35E5A3EB1A7}" type="datetimeFigureOut">
               <a:rPr lang="en-US" smtClean="0"/>
-              <a:t>8/23/2021</a:t>
+              <a:t>8/27/2021</a:t>
             </a:fld>
             <a:endParaRPr lang="en-US"/>
           </a:p>
@@ -769,7 +774,7 @@
           <a:p>
             <a:fld id="{AF1CD85E-D915-4A6B-9FBC-E35E5A3EB1A7}" type="datetimeFigureOut">
               <a:rPr lang="en-US" smtClean="0"/>
-              <a:t>8/23/2021</a:t>
+              <a:t>8/27/2021</a:t>
             </a:fld>
             <a:endParaRPr lang="en-US"/>
           </a:p>
@@ -947,7 +952,7 @@
           <a:p>
             <a:fld id="{AF1CD85E-D915-4A6B-9FBC-E35E5A3EB1A7}" type="datetimeFigureOut">
               <a:rPr lang="en-US" smtClean="0"/>
-              <a:t>8/23/2021</a:t>
+              <a:t>8/27/2021</a:t>
             </a:fld>
             <a:endParaRPr lang="en-US"/>
           </a:p>
@@ -1252,7 +1257,7 @@
           <a:p>
             <a:fld id="{AF1CD85E-D915-4A6B-9FBC-E35E5A3EB1A7}" type="datetimeFigureOut">
               <a:rPr lang="en-US" smtClean="0"/>
-              <a:t>8/23/2021</a:t>
+              <a:t>8/27/2021</a:t>
             </a:fld>
             <a:endParaRPr lang="en-US"/>
           </a:p>
@@ -1527,7 +1532,7 @@
           <a:p>
             <a:fld id="{AF1CD85E-D915-4A6B-9FBC-E35E5A3EB1A7}" type="datetimeFigureOut">
               <a:rPr lang="en-US" smtClean="0"/>
-              <a:t>8/23/2021</a:t>
+              <a:t>8/27/2021</a:t>
             </a:fld>
             <a:endParaRPr lang="en-US"/>
           </a:p>
@@ -1906,7 +1911,7 @@
           <a:p>
             <a:fld id="{AF1CD85E-D915-4A6B-9FBC-E35E5A3EB1A7}" type="datetimeFigureOut">
               <a:rPr lang="en-US" smtClean="0"/>
-              <a:t>8/23/2021</a:t>
+              <a:t>8/27/2021</a:t>
             </a:fld>
             <a:endParaRPr lang="en-US"/>
           </a:p>
@@ -2024,7 +2029,7 @@
           <a:p>
             <a:fld id="{AF1CD85E-D915-4A6B-9FBC-E35E5A3EB1A7}" type="datetimeFigureOut">
               <a:rPr lang="en-US" smtClean="0"/>
-              <a:t>8/23/2021</a:t>
+              <a:t>8/27/2021</a:t>
             </a:fld>
             <a:endParaRPr lang="en-US"/>
           </a:p>
@@ -2157,7 +2162,7 @@
           <a:p>
             <a:fld id="{AF1CD85E-D915-4A6B-9FBC-E35E5A3EB1A7}" type="datetimeFigureOut">
               <a:rPr lang="en-US" smtClean="0"/>
-              <a:t>8/23/2021</a:t>
+              <a:t>8/27/2021</a:t>
             </a:fld>
             <a:endParaRPr lang="en-US"/>
           </a:p>
@@ -2473,7 +2478,7 @@
           <a:p>
             <a:fld id="{AF1CD85E-D915-4A6B-9FBC-E35E5A3EB1A7}" type="datetimeFigureOut">
               <a:rPr lang="en-US" smtClean="0"/>
-              <a:t>8/23/2021</a:t>
+              <a:t>8/27/2021</a:t>
             </a:fld>
             <a:endParaRPr lang="en-US"/>
           </a:p>
@@ -2855,7 +2860,7 @@
           <a:p>
             <a:fld id="{AF1CD85E-D915-4A6B-9FBC-E35E5A3EB1A7}" type="datetimeFigureOut">
               <a:rPr lang="en-US" smtClean="0"/>
-              <a:t>8/23/2021</a:t>
+              <a:t>8/27/2021</a:t>
             </a:fld>
             <a:endParaRPr lang="en-US"/>
           </a:p>
@@ -3104,7 +3109,7 @@
           <a:p>
             <a:fld id="{AF1CD85E-D915-4A6B-9FBC-E35E5A3EB1A7}" type="datetimeFigureOut">
               <a:rPr lang="en-US" smtClean="0"/>
-              <a:t>8/23/2021</a:t>
+              <a:t>8/27/2021</a:t>
             </a:fld>
             <a:endParaRPr lang="en-US"/>
           </a:p>
